--- a/Knecht.pptx
+++ b/Knecht.pptx
@@ -4575,12 +4575,8 @@
           <a:lstStyle/>
           <a:p>
             <a:r>
-              <a:rPr lang="en-US" dirty="0" err="1" smtClean="0"/>
-              <a:t>Multplayer</a:t>
-            </a:r>
-            <a:r>
-              <a:rPr lang="en-US" dirty="0" smtClean="0"/>
-              <a:t> </a:t>
+              <a:rPr lang="en-US" dirty="0" smtClean="0"/>
+              <a:t>Multiplayer </a:t>
             </a:r>
             <a:r>
               <a:rPr lang="en-US" dirty="0" smtClean="0"/>

--- a/Knecht.pptx
+++ b/Knecht.pptx
@@ -12,18 +12,12 @@
     <p:sldId id="258" r:id="rId6"/>
     <p:sldId id="259" r:id="rId7"/>
     <p:sldId id="260" r:id="rId8"/>
-    <p:sldId id="261" r:id="rId9"/>
+    <p:sldId id="263" r:id="rId9"/>
     <p:sldId id="262" r:id="rId10"/>
-    <p:sldId id="263" r:id="rId11"/>
-    <p:sldId id="264" r:id="rId12"/>
-    <p:sldId id="265" r:id="rId13"/>
-    <p:sldId id="266" r:id="rId14"/>
-    <p:sldId id="267" r:id="rId15"/>
-    <p:sldId id="268" r:id="rId16"/>
-    <p:sldId id="269" r:id="rId17"/>
-    <p:sldId id="270" r:id="rId18"/>
-    <p:sldId id="274" r:id="rId19"/>
-    <p:sldId id="271" r:id="rId20"/>
+    <p:sldId id="275" r:id="rId11"/>
+    <p:sldId id="276" r:id="rId12"/>
+    <p:sldId id="274" r:id="rId13"/>
+    <p:sldId id="271" r:id="rId14"/>
   </p:sldIdLst>
   <p:sldSz cx="9144000" cy="6858000" type="screen4x3"/>
   <p:notesSz cx="6858000" cy="9144000"/>
@@ -236,7 +230,7 @@
           <a:p>
             <a:fld id="{F4CE3621-1EBC-48BD-BFCF-89B3379CD41D}" type="datetimeFigureOut">
               <a:rPr lang="en-US" smtClean="0"/>
-              <a:t>4/21/2014</a:t>
+              <a:t>4/22/2014</a:t>
             </a:fld>
             <a:endParaRPr lang="en-US"/>
           </a:p>
@@ -462,7 +456,7 @@
           <a:p>
             <a:fld id="{F4CE3621-1EBC-48BD-BFCF-89B3379CD41D}" type="datetimeFigureOut">
               <a:rPr lang="en-US" smtClean="0"/>
-              <a:t>4/21/2014</a:t>
+              <a:t>4/22/2014</a:t>
             </a:fld>
             <a:endParaRPr lang="en-US"/>
           </a:p>
@@ -637,7 +631,7 @@
           <a:p>
             <a:fld id="{F4CE3621-1EBC-48BD-BFCF-89B3379CD41D}" type="datetimeFigureOut">
               <a:rPr lang="en-US" smtClean="0"/>
-              <a:t>4/21/2014</a:t>
+              <a:t>4/22/2014</a:t>
             </a:fld>
             <a:endParaRPr lang="en-US"/>
           </a:p>
@@ -802,7 +796,7 @@
           <a:p>
             <a:fld id="{F4CE3621-1EBC-48BD-BFCF-89B3379CD41D}" type="datetimeFigureOut">
               <a:rPr lang="en-US" smtClean="0"/>
-              <a:t>4/21/2014</a:t>
+              <a:t>4/22/2014</a:t>
             </a:fld>
             <a:endParaRPr lang="en-US"/>
           </a:p>
@@ -1046,7 +1040,7 @@
           <a:p>
             <a:fld id="{F4CE3621-1EBC-48BD-BFCF-89B3379CD41D}" type="datetimeFigureOut">
               <a:rPr lang="en-US" smtClean="0"/>
-              <a:t>4/21/2014</a:t>
+              <a:t>4/22/2014</a:t>
             </a:fld>
             <a:endParaRPr lang="en-US"/>
           </a:p>
@@ -1310,7 +1304,7 @@
           <a:p>
             <a:fld id="{F4CE3621-1EBC-48BD-BFCF-89B3379CD41D}" type="datetimeFigureOut">
               <a:rPr lang="en-US" smtClean="0"/>
-              <a:t>4/21/2014</a:t>
+              <a:t>4/22/2014</a:t>
             </a:fld>
             <a:endParaRPr lang="en-US"/>
           </a:p>
@@ -1684,7 +1678,7 @@
           <a:p>
             <a:fld id="{F4CE3621-1EBC-48BD-BFCF-89B3379CD41D}" type="datetimeFigureOut">
               <a:rPr lang="en-US" smtClean="0"/>
-              <a:t>4/21/2014</a:t>
+              <a:t>4/22/2014</a:t>
             </a:fld>
             <a:endParaRPr lang="en-US"/>
           </a:p>
@@ -1797,7 +1791,7 @@
           <a:p>
             <a:fld id="{F4CE3621-1EBC-48BD-BFCF-89B3379CD41D}" type="datetimeFigureOut">
               <a:rPr lang="en-US" smtClean="0"/>
-              <a:t>4/21/2014</a:t>
+              <a:t>4/22/2014</a:t>
             </a:fld>
             <a:endParaRPr lang="en-US"/>
           </a:p>
@@ -1887,7 +1881,7 @@
           <a:p>
             <a:fld id="{F4CE3621-1EBC-48BD-BFCF-89B3379CD41D}" type="datetimeFigureOut">
               <a:rPr lang="en-US" smtClean="0"/>
-              <a:t>4/21/2014</a:t>
+              <a:t>4/22/2014</a:t>
             </a:fld>
             <a:endParaRPr lang="en-US"/>
           </a:p>
@@ -2145,7 +2139,7 @@
           <a:p>
             <a:fld id="{F4CE3621-1EBC-48BD-BFCF-89B3379CD41D}" type="datetimeFigureOut">
               <a:rPr lang="en-US" smtClean="0"/>
-              <a:t>4/21/2014</a:t>
+              <a:t>4/22/2014</a:t>
             </a:fld>
             <a:endParaRPr lang="en-US"/>
           </a:p>
@@ -2409,7 +2403,7 @@
           <a:p>
             <a:fld id="{F4CE3621-1EBC-48BD-BFCF-89B3379CD41D}" type="datetimeFigureOut">
               <a:rPr lang="en-US" smtClean="0"/>
-              <a:t>4/21/2014</a:t>
+              <a:t>4/22/2014</a:t>
             </a:fld>
             <a:endParaRPr lang="en-US"/>
           </a:p>
@@ -2626,7 +2620,7 @@
           <a:p>
             <a:fld id="{F4CE3621-1EBC-48BD-BFCF-89B3379CD41D}" type="datetimeFigureOut">
               <a:rPr lang="en-US" smtClean="0"/>
-              <a:t>4/21/2014</a:t>
+              <a:t>4/22/2014</a:t>
             </a:fld>
             <a:endParaRPr lang="en-US"/>
           </a:p>
@@ -3168,45 +3162,45 @@
           <a:p>
             <a:r>
               <a:rPr lang="en-US" dirty="0" smtClean="0"/>
-              <a:t>Group Restrictions</a:t>
+              <a:t>Message Control Flow</a:t>
             </a:r>
             <a:endParaRPr lang="en-US" dirty="0"/>
           </a:p>
         </p:txBody>
       </p:sp>
-      <p:sp>
-        <p:nvSpPr>
-          <p:cNvPr id="3" name="Content Placeholder 2"/>
-          <p:cNvSpPr>
-            <a:spLocks noGrp="1"/>
-          </p:cNvSpPr>
+      <p:pic>
+        <p:nvPicPr>
+          <p:cNvPr id="4" name="Content Placeholder 3"/>
+          <p:cNvPicPr>
+            <a:picLocks noGrp="1" noChangeAspect="1"/>
+          </p:cNvPicPr>
           <p:nvPr>
             <p:ph idx="1"/>
           </p:nvPr>
-        </p:nvSpPr>
-        <p:spPr/>
-        <p:txBody>
-          <a:bodyPr/>
-          <a:lstStyle/>
-          <a:p>
-            <a:r>
-              <a:rPr lang="en-US" dirty="0" smtClean="0"/>
-              <a:t>Each group has its own namespace.</a:t>
-            </a:r>
-          </a:p>
-          <a:p>
-            <a:r>
-              <a:rPr lang="en-US" dirty="0" smtClean="0"/>
-              <a:t>All input validation must be done by the host because Knecht manages no application logic.</a:t>
-            </a:r>
-            <a:endParaRPr lang="en-US" dirty="0"/>
-          </a:p>
-        </p:txBody>
-      </p:sp>
+        </p:nvPicPr>
+        <p:blipFill>
+          <a:blip r:embed="rId2">
+            <a:extLst>
+              <a:ext uri="{28A0092B-C50C-407E-A947-70E740481C1C}">
+                <a14:useLocalDpi xmlns:a14="http://schemas.microsoft.com/office/drawing/2010/main" val="0"/>
+              </a:ext>
+            </a:extLst>
+          </a:blip>
+          <a:stretch>
+            <a:fillRect/>
+          </a:stretch>
+        </p:blipFill>
+        <p:spPr>
+          <a:xfrm>
+            <a:off x="961521" y="1887249"/>
+            <a:ext cx="7220958" cy="4134427"/>
+          </a:xfrm>
+        </p:spPr>
+      </p:pic>
     </p:spTree>
     <p:extLst>
       <p:ext uri="{BB962C8B-B14F-4D97-AF65-F5344CB8AC3E}">
-        <p14:creationId xmlns:p14="http://schemas.microsoft.com/office/powerpoint/2010/main" val="1229757238"/>
+        <p14:creationId xmlns:p14="http://schemas.microsoft.com/office/powerpoint/2010/main" val="3912224255"/>
       </p:ext>
     </p:extLst>
   </p:cSld>
@@ -3245,50 +3239,73 @@
         </p:nvSpPr>
         <p:spPr/>
         <p:txBody>
-          <a:bodyPr/>
+          <a:bodyPr>
+            <a:normAutofit/>
+          </a:bodyPr>
           <a:lstStyle/>
           <a:p>
             <a:r>
               <a:rPr lang="en-US" dirty="0" smtClean="0"/>
-              <a:t>Input to the Host</a:t>
-            </a:r>
+              <a:t>Key </a:t>
+            </a:r>
+            <a:r>
+              <a:rPr lang="en-US" dirty="0"/>
+              <a:t>Behaviors</a:t>
+            </a:r>
+          </a:p>
+        </p:txBody>
+      </p:sp>
+      <p:sp>
+        <p:nvSpPr>
+          <p:cNvPr id="3" name="Content Placeholder 2"/>
+          <p:cNvSpPr>
+            <a:spLocks noGrp="1"/>
+          </p:cNvSpPr>
+          <p:nvPr>
+            <p:ph idx="1"/>
+          </p:nvPr>
+        </p:nvSpPr>
+        <p:spPr/>
+        <p:txBody>
+          <a:bodyPr/>
+          <a:lstStyle/>
+          <a:p>
+            <a:endParaRPr lang="en-US" dirty="0" smtClean="0"/>
+          </a:p>
+          <a:p>
+            <a:r>
+              <a:rPr lang="en-US" dirty="0" smtClean="0"/>
+              <a:t>Non-volatile </a:t>
+            </a:r>
+            <a:r>
+              <a:rPr lang="en-US" dirty="0"/>
+              <a:t>notifications</a:t>
+            </a:r>
+          </a:p>
+          <a:p>
             <a:endParaRPr lang="en-US" dirty="0"/>
           </a:p>
-        </p:txBody>
-      </p:sp>
-      <p:sp>
-        <p:nvSpPr>
-          <p:cNvPr id="3" name="Content Placeholder 2"/>
-          <p:cNvSpPr>
-            <a:spLocks noGrp="1"/>
-          </p:cNvSpPr>
-          <p:nvPr>
-            <p:ph idx="1"/>
-          </p:nvPr>
-        </p:nvSpPr>
-        <p:spPr/>
-        <p:txBody>
-          <a:bodyPr/>
-          <a:lstStyle/>
-          <a:p>
-            <a:r>
-              <a:rPr lang="en-US" dirty="0" smtClean="0"/>
-              <a:t>Real time communications between host and members of groups is handled by an implementation of observer pattern.</a:t>
-            </a:r>
-          </a:p>
-          <a:p>
-            <a:r>
-              <a:rPr lang="en-US" dirty="0" smtClean="0"/>
-              <a:t>Input is stored in a dedicated table on the server so it can be retrieved later if a client isn’t listening at any given moment.</a:t>
-            </a:r>
+          <a:p>
+            <a:r>
+              <a:rPr lang="en-US" dirty="0"/>
+              <a:t>Input synchronization</a:t>
+            </a:r>
+          </a:p>
+          <a:p>
             <a:endParaRPr lang="en-US" dirty="0"/>
+          </a:p>
+          <a:p>
+            <a:r>
+              <a:rPr lang="en-US" dirty="0"/>
+              <a:t>Minimizes bandwidth usage</a:t>
+            </a:r>
           </a:p>
         </p:txBody>
       </p:sp>
     </p:spTree>
     <p:extLst>
       <p:ext uri="{BB962C8B-B14F-4D97-AF65-F5344CB8AC3E}">
-        <p14:creationId xmlns:p14="http://schemas.microsoft.com/office/powerpoint/2010/main" val="2187029220"/>
+        <p14:creationId xmlns:p14="http://schemas.microsoft.com/office/powerpoint/2010/main" val="4270631787"/>
       </p:ext>
     </p:extLst>
   </p:cSld>
@@ -3332,7 +3349,7 @@
           <a:p>
             <a:r>
               <a:rPr lang="en-US" dirty="0" smtClean="0"/>
-              <a:t>Join Request Demo</a:t>
+              <a:t>Obstacles</a:t>
             </a:r>
             <a:endParaRPr lang="en-US" dirty="0"/>
           </a:p>
@@ -3353,20 +3370,64 @@
           <a:bodyPr/>
           <a:lstStyle/>
           <a:p>
-            <a:endParaRPr lang="en-US"/>
+            <a:r>
+              <a:rPr lang="en-US" dirty="0"/>
+              <a:t>Limited group experience with database software, web development, code repositories</a:t>
+            </a:r>
+          </a:p>
+          <a:p>
+            <a:r>
+              <a:rPr lang="en-US" dirty="0"/>
+              <a:t>Organizational and personal issues</a:t>
+            </a:r>
+          </a:p>
+          <a:p>
+            <a:r>
+              <a:rPr lang="en-US" dirty="0"/>
+              <a:t>Technical difficulties</a:t>
+            </a:r>
+          </a:p>
+          <a:p>
+            <a:pPr lvl="1"/>
+            <a:r>
+              <a:rPr lang="en-US" dirty="0"/>
+              <a:t>Documentation</a:t>
+            </a:r>
+          </a:p>
+          <a:p>
+            <a:pPr lvl="1"/>
+            <a:r>
+              <a:rPr lang="en-US" dirty="0"/>
+              <a:t>Client listening</a:t>
+            </a:r>
+          </a:p>
+          <a:p>
+            <a:pPr lvl="1"/>
+            <a:r>
+              <a:rPr lang="en-US" dirty="0"/>
+              <a:t>Compatibility</a:t>
+            </a:r>
+            <a:endParaRPr lang="en-US" dirty="0" smtClean="0"/>
           </a:p>
         </p:txBody>
       </p:sp>
     </p:spTree>
     <p:extLst>
       <p:ext uri="{BB962C8B-B14F-4D97-AF65-F5344CB8AC3E}">
-        <p14:creationId xmlns:p14="http://schemas.microsoft.com/office/powerpoint/2010/main" val="1413302319"/>
+        <p14:creationId xmlns:p14="http://schemas.microsoft.com/office/powerpoint/2010/main" val="392684587"/>
       </p:ext>
     </p:extLst>
   </p:cSld>
   <p:clrMapOvr>
     <a:masterClrMapping/>
   </p:clrMapOvr>
+  <p:timing>
+    <p:tnLst>
+      <p:par>
+        <p:cTn id="1" dur="indefinite" restart="never" nodeType="tmRoot"/>
+      </p:par>
+    </p:tnLst>
+  </p:timing>
 </p:sld>
 </file>
 
@@ -3404,7 +3465,7 @@
           <a:p>
             <a:r>
               <a:rPr lang="en-US" dirty="0" smtClean="0"/>
-              <a:t>Data From the Host</a:t>
+              <a:t>Q &amp; A</a:t>
             </a:r>
             <a:endParaRPr lang="en-US" dirty="0"/>
           </a:p>
@@ -3420,487 +3481,12 @@
             <p:ph idx="1"/>
           </p:nvPr>
         </p:nvSpPr>
-        <p:spPr/>
-        <p:txBody>
-          <a:bodyPr/>
-          <a:lstStyle/>
-          <a:p>
-            <a:r>
-              <a:rPr lang="en-US" dirty="0" smtClean="0"/>
-              <a:t>Users listen to updates from the host in the same way that the host listens to input from users.</a:t>
-            </a:r>
-          </a:p>
-          <a:p>
-            <a:r>
-              <a:rPr lang="en-US" dirty="0" smtClean="0"/>
-              <a:t>Users are alerted when any data they have access to is submitted or updated.</a:t>
-            </a:r>
-            <a:endParaRPr lang="en-US" dirty="0"/>
-          </a:p>
-        </p:txBody>
-      </p:sp>
-    </p:spTree>
-    <p:extLst>
-      <p:ext uri="{BB962C8B-B14F-4D97-AF65-F5344CB8AC3E}">
-        <p14:creationId xmlns:p14="http://schemas.microsoft.com/office/powerpoint/2010/main" val="3585598272"/>
-      </p:ext>
-    </p:extLst>
-  </p:cSld>
-  <p:clrMapOvr>
-    <a:masterClrMapping/>
-  </p:clrMapOvr>
-</p:sld>
-</file>
-
-<file path=ppt/slides/slide14.xml><?xml version="1.0" encoding="utf-8"?>
-<p:sld xmlns:a="http://schemas.openxmlformats.org/drawingml/2006/main" xmlns:r="http://schemas.openxmlformats.org/officeDocument/2006/relationships" xmlns:p="http://schemas.openxmlformats.org/presentationml/2006/main">
-  <p:cSld>
-    <p:spTree>
-      <p:nvGrpSpPr>
-        <p:cNvPr id="1" name=""/>
-        <p:cNvGrpSpPr/>
-        <p:nvPr/>
-      </p:nvGrpSpPr>
-      <p:grpSpPr>
-        <a:xfrm>
-          <a:off x="0" y="0"/>
-          <a:ext cx="0" cy="0"/>
-          <a:chOff x="0" y="0"/>
-          <a:chExt cx="0" cy="0"/>
-        </a:xfrm>
-      </p:grpSpPr>
-      <p:sp>
-        <p:nvSpPr>
-          <p:cNvPr id="2" name="Title 1"/>
-          <p:cNvSpPr>
-            <a:spLocks noGrp="1"/>
-          </p:cNvSpPr>
-          <p:nvPr>
-            <p:ph type="title"/>
-          </p:nvPr>
-        </p:nvSpPr>
-        <p:spPr/>
-        <p:txBody>
-          <a:bodyPr/>
-          <a:lstStyle/>
-          <a:p>
-            <a:r>
-              <a:rPr lang="en-US" dirty="0" smtClean="0"/>
-              <a:t>Join Response Demo</a:t>
-            </a:r>
-            <a:endParaRPr lang="en-US" dirty="0"/>
-          </a:p>
-        </p:txBody>
-      </p:sp>
-      <p:sp>
-        <p:nvSpPr>
-          <p:cNvPr id="3" name="Content Placeholder 2"/>
-          <p:cNvSpPr>
-            <a:spLocks noGrp="1"/>
-          </p:cNvSpPr>
-          <p:nvPr>
-            <p:ph idx="1"/>
-          </p:nvPr>
-        </p:nvSpPr>
-        <p:spPr/>
-        <p:txBody>
-          <a:bodyPr/>
-          <a:lstStyle/>
-          <a:p>
-            <a:endParaRPr lang="en-US"/>
-          </a:p>
-        </p:txBody>
-      </p:sp>
-    </p:spTree>
-    <p:extLst>
-      <p:ext uri="{BB962C8B-B14F-4D97-AF65-F5344CB8AC3E}">
-        <p14:creationId xmlns:p14="http://schemas.microsoft.com/office/powerpoint/2010/main" val="3032591385"/>
-      </p:ext>
-    </p:extLst>
-  </p:cSld>
-  <p:clrMapOvr>
-    <a:masterClrMapping/>
-  </p:clrMapOvr>
-</p:sld>
-</file>
-
-<file path=ppt/slides/slide15.xml><?xml version="1.0" encoding="utf-8"?>
-<p:sld xmlns:a="http://schemas.openxmlformats.org/drawingml/2006/main" xmlns:r="http://schemas.openxmlformats.org/officeDocument/2006/relationships" xmlns:p="http://schemas.openxmlformats.org/presentationml/2006/main">
-  <p:cSld>
-    <p:spTree>
-      <p:nvGrpSpPr>
-        <p:cNvPr id="1" name=""/>
-        <p:cNvGrpSpPr/>
-        <p:nvPr/>
-      </p:nvGrpSpPr>
-      <p:grpSpPr>
-        <a:xfrm>
-          <a:off x="0" y="0"/>
-          <a:ext cx="0" cy="0"/>
-          <a:chOff x="0" y="0"/>
-          <a:chExt cx="0" cy="0"/>
-        </a:xfrm>
-      </p:grpSpPr>
-      <p:sp>
-        <p:nvSpPr>
-          <p:cNvPr id="2" name="Title 1"/>
-          <p:cNvSpPr>
-            <a:spLocks noGrp="1"/>
-          </p:cNvSpPr>
-          <p:nvPr>
-            <p:ph type="title"/>
-          </p:nvPr>
-        </p:nvSpPr>
-        <p:spPr/>
-        <p:txBody>
-          <a:bodyPr/>
-          <a:lstStyle/>
-          <a:p>
-            <a:r>
-              <a:rPr lang="en-US" dirty="0" smtClean="0"/>
-              <a:t>Reliable Behaviors</a:t>
-            </a:r>
-            <a:endParaRPr lang="en-US" dirty="0"/>
-          </a:p>
-        </p:txBody>
-      </p:sp>
-      <p:sp>
-        <p:nvSpPr>
-          <p:cNvPr id="3" name="Content Placeholder 2"/>
-          <p:cNvSpPr>
-            <a:spLocks noGrp="1"/>
-          </p:cNvSpPr>
-          <p:nvPr>
-            <p:ph idx="1"/>
-          </p:nvPr>
-        </p:nvSpPr>
-        <p:spPr/>
-        <p:txBody>
-          <a:bodyPr/>
-          <a:lstStyle/>
-          <a:p>
-            <a:r>
-              <a:rPr lang="en-US" dirty="0" smtClean="0"/>
-              <a:t>Whenever an update or input is received, the client automatically renews its standing query.</a:t>
-            </a:r>
-          </a:p>
-          <a:p>
-            <a:r>
-              <a:rPr lang="en-US" dirty="0" smtClean="0"/>
-              <a:t>Pending input and update notifications are held by the server until acknowledged in case of packet loss.</a:t>
-            </a:r>
-            <a:endParaRPr lang="en-US" dirty="0"/>
-          </a:p>
-        </p:txBody>
-      </p:sp>
-    </p:spTree>
-    <p:extLst>
-      <p:ext uri="{BB962C8B-B14F-4D97-AF65-F5344CB8AC3E}">
-        <p14:creationId xmlns:p14="http://schemas.microsoft.com/office/powerpoint/2010/main" val="924009343"/>
-      </p:ext>
-    </p:extLst>
-  </p:cSld>
-  <p:clrMapOvr>
-    <a:masterClrMapping/>
-  </p:clrMapOvr>
-</p:sld>
-</file>
-
-<file path=ppt/slides/slide16.xml><?xml version="1.0" encoding="utf-8"?>
-<p:sld xmlns:a="http://schemas.openxmlformats.org/drawingml/2006/main" xmlns:r="http://schemas.openxmlformats.org/officeDocument/2006/relationships" xmlns:p="http://schemas.openxmlformats.org/presentationml/2006/main">
-  <p:cSld>
-    <p:spTree>
-      <p:nvGrpSpPr>
-        <p:cNvPr id="1" name=""/>
-        <p:cNvGrpSpPr/>
-        <p:nvPr/>
-      </p:nvGrpSpPr>
-      <p:grpSpPr>
-        <a:xfrm>
-          <a:off x="0" y="0"/>
-          <a:ext cx="0" cy="0"/>
-          <a:chOff x="0" y="0"/>
-          <a:chExt cx="0" cy="0"/>
-        </a:xfrm>
-      </p:grpSpPr>
-      <p:sp>
-        <p:nvSpPr>
-          <p:cNvPr id="2" name="Title 1"/>
-          <p:cNvSpPr>
-            <a:spLocks noGrp="1"/>
-          </p:cNvSpPr>
-          <p:nvPr>
-            <p:ph type="title"/>
-          </p:nvPr>
-        </p:nvSpPr>
-        <p:spPr/>
-        <p:txBody>
-          <a:bodyPr/>
-          <a:lstStyle/>
-          <a:p>
-            <a:r>
-              <a:rPr lang="en-US" dirty="0" smtClean="0"/>
-              <a:t>Limited Bandwidth Usage</a:t>
-            </a:r>
-            <a:endParaRPr lang="en-US" dirty="0"/>
-          </a:p>
-        </p:txBody>
-      </p:sp>
-      <p:sp>
-        <p:nvSpPr>
-          <p:cNvPr id="3" name="Content Placeholder 2"/>
-          <p:cNvSpPr>
-            <a:spLocks noGrp="1"/>
-          </p:cNvSpPr>
-          <p:nvPr>
-            <p:ph idx="1"/>
-          </p:nvPr>
-        </p:nvSpPr>
-        <p:spPr/>
-        <p:txBody>
-          <a:bodyPr/>
-          <a:lstStyle/>
-          <a:p>
-            <a:r>
-              <a:rPr lang="en-US" dirty="0" smtClean="0"/>
-              <a:t>If there are no pending notifications when a subscription request is received, the response is held by the server until it has something to report to the client.</a:t>
-            </a:r>
-          </a:p>
-          <a:p>
-            <a:r>
-              <a:rPr lang="en-US" dirty="0" smtClean="0"/>
-              <a:t>When fields are updated, unless they are exceptionally large, they are returned with the notification.</a:t>
-            </a:r>
-          </a:p>
-        </p:txBody>
-      </p:sp>
-    </p:spTree>
-    <p:extLst>
-      <p:ext uri="{BB962C8B-B14F-4D97-AF65-F5344CB8AC3E}">
-        <p14:creationId xmlns:p14="http://schemas.microsoft.com/office/powerpoint/2010/main" val="1786712622"/>
-      </p:ext>
-    </p:extLst>
-  </p:cSld>
-  <p:clrMapOvr>
-    <a:masterClrMapping/>
-  </p:clrMapOvr>
-</p:sld>
-</file>
-
-<file path=ppt/slides/slide17.xml><?xml version="1.0" encoding="utf-8"?>
-<p:sld xmlns:a="http://schemas.openxmlformats.org/drawingml/2006/main" xmlns:r="http://schemas.openxmlformats.org/officeDocument/2006/relationships" xmlns:p="http://schemas.openxmlformats.org/presentationml/2006/main">
-  <p:cSld>
-    <p:spTree>
-      <p:nvGrpSpPr>
-        <p:cNvPr id="1" name=""/>
-        <p:cNvGrpSpPr/>
-        <p:nvPr/>
-      </p:nvGrpSpPr>
-      <p:grpSpPr>
-        <a:xfrm>
-          <a:off x="0" y="0"/>
-          <a:ext cx="0" cy="0"/>
-          <a:chOff x="0" y="0"/>
-          <a:chExt cx="0" cy="0"/>
-        </a:xfrm>
-      </p:grpSpPr>
-      <p:sp>
-        <p:nvSpPr>
-          <p:cNvPr id="2" name="Title 1"/>
-          <p:cNvSpPr>
-            <a:spLocks noGrp="1"/>
-          </p:cNvSpPr>
-          <p:nvPr>
-            <p:ph type="title"/>
-          </p:nvPr>
-        </p:nvSpPr>
-        <p:spPr/>
-        <p:txBody>
-          <a:bodyPr/>
-          <a:lstStyle/>
-          <a:p>
-            <a:r>
-              <a:rPr lang="en-US" dirty="0" smtClean="0"/>
-              <a:t>Response Data Demo</a:t>
-            </a:r>
-            <a:endParaRPr lang="en-US" dirty="0"/>
-          </a:p>
-        </p:txBody>
-      </p:sp>
-      <p:sp>
-        <p:nvSpPr>
-          <p:cNvPr id="3" name="Content Placeholder 2"/>
-          <p:cNvSpPr>
-            <a:spLocks noGrp="1"/>
-          </p:cNvSpPr>
-          <p:nvPr>
-            <p:ph idx="1"/>
-          </p:nvPr>
-        </p:nvSpPr>
-        <p:spPr/>
-        <p:txBody>
-          <a:bodyPr/>
-          <a:lstStyle/>
-          <a:p>
-            <a:endParaRPr lang="en-US"/>
-          </a:p>
-        </p:txBody>
-      </p:sp>
-    </p:spTree>
-    <p:extLst>
-      <p:ext uri="{BB962C8B-B14F-4D97-AF65-F5344CB8AC3E}">
-        <p14:creationId xmlns:p14="http://schemas.microsoft.com/office/powerpoint/2010/main" val="1229884459"/>
-      </p:ext>
-    </p:extLst>
-  </p:cSld>
-  <p:clrMapOvr>
-    <a:masterClrMapping/>
-  </p:clrMapOvr>
-</p:sld>
-</file>
-
-<file path=ppt/slides/slide18.xml><?xml version="1.0" encoding="utf-8"?>
-<p:sld xmlns:a="http://schemas.openxmlformats.org/drawingml/2006/main" xmlns:r="http://schemas.openxmlformats.org/officeDocument/2006/relationships" xmlns:p="http://schemas.openxmlformats.org/presentationml/2006/main">
-  <p:cSld>
-    <p:spTree>
-      <p:nvGrpSpPr>
-        <p:cNvPr id="1" name=""/>
-        <p:cNvGrpSpPr/>
-        <p:nvPr/>
-      </p:nvGrpSpPr>
-      <p:grpSpPr>
-        <a:xfrm>
-          <a:off x="0" y="0"/>
-          <a:ext cx="0" cy="0"/>
-          <a:chOff x="0" y="0"/>
-          <a:chExt cx="0" cy="0"/>
-        </a:xfrm>
-      </p:grpSpPr>
-      <p:sp>
-        <p:nvSpPr>
-          <p:cNvPr id="2" name="Title 1"/>
-          <p:cNvSpPr>
-            <a:spLocks noGrp="1"/>
-          </p:cNvSpPr>
-          <p:nvPr>
-            <p:ph type="title"/>
-          </p:nvPr>
-        </p:nvSpPr>
-        <p:spPr/>
-        <p:txBody>
-          <a:bodyPr/>
-          <a:lstStyle/>
-          <a:p>
-            <a:r>
-              <a:rPr lang="en-US" dirty="0" smtClean="0"/>
-              <a:t>Obstacles</a:t>
-            </a:r>
-            <a:endParaRPr lang="en-US" dirty="0"/>
-          </a:p>
-        </p:txBody>
-      </p:sp>
-      <p:sp>
-        <p:nvSpPr>
-          <p:cNvPr id="3" name="Content Placeholder 2"/>
-          <p:cNvSpPr>
-            <a:spLocks noGrp="1"/>
-          </p:cNvSpPr>
-          <p:nvPr>
-            <p:ph idx="1"/>
-          </p:nvPr>
-        </p:nvSpPr>
-        <p:spPr/>
-        <p:txBody>
-          <a:bodyPr/>
-          <a:lstStyle/>
-          <a:p>
-            <a:r>
-              <a:rPr lang="en-US" dirty="0"/>
-              <a:t>None of us had any prior experience with databases or server code for web applications</a:t>
-            </a:r>
-            <a:r>
-              <a:rPr lang="en-US" dirty="0" smtClean="0"/>
-              <a:t>.</a:t>
-            </a:r>
-          </a:p>
-          <a:p>
-            <a:r>
-              <a:rPr lang="en-US" dirty="0" smtClean="0"/>
-              <a:t>Organizational Issues</a:t>
-            </a:r>
-          </a:p>
-          <a:p>
-            <a:r>
-              <a:rPr lang="en-US" dirty="0" smtClean="0"/>
-              <a:t>Technical Difficulties with Regards to Synchronization</a:t>
-            </a:r>
-          </a:p>
-        </p:txBody>
-      </p:sp>
-    </p:spTree>
-    <p:extLst>
-      <p:ext uri="{BB962C8B-B14F-4D97-AF65-F5344CB8AC3E}">
-        <p14:creationId xmlns:p14="http://schemas.microsoft.com/office/powerpoint/2010/main" val="392684587"/>
-      </p:ext>
-    </p:extLst>
-  </p:cSld>
-  <p:clrMapOvr>
-    <a:masterClrMapping/>
-  </p:clrMapOvr>
-</p:sld>
-</file>
-
-<file path=ppt/slides/slide19.xml><?xml version="1.0" encoding="utf-8"?>
-<p:sld xmlns:a="http://schemas.openxmlformats.org/drawingml/2006/main" xmlns:r="http://schemas.openxmlformats.org/officeDocument/2006/relationships" xmlns:p="http://schemas.openxmlformats.org/presentationml/2006/main">
-  <p:cSld>
-    <p:spTree>
-      <p:nvGrpSpPr>
-        <p:cNvPr id="1" name=""/>
-        <p:cNvGrpSpPr/>
-        <p:nvPr/>
-      </p:nvGrpSpPr>
-      <p:grpSpPr>
-        <a:xfrm>
-          <a:off x="0" y="0"/>
-          <a:ext cx="0" cy="0"/>
-          <a:chOff x="0" y="0"/>
-          <a:chExt cx="0" cy="0"/>
-        </a:xfrm>
-      </p:grpSpPr>
-      <p:sp>
-        <p:nvSpPr>
-          <p:cNvPr id="2" name="Title 1"/>
-          <p:cNvSpPr>
-            <a:spLocks noGrp="1"/>
-          </p:cNvSpPr>
-          <p:nvPr>
-            <p:ph type="title"/>
-          </p:nvPr>
-        </p:nvSpPr>
-        <p:spPr/>
-        <p:txBody>
-          <a:bodyPr/>
-          <a:lstStyle/>
-          <a:p>
-            <a:r>
-              <a:rPr lang="en-US" dirty="0" smtClean="0"/>
-              <a:t>Q &amp; A</a:t>
-            </a:r>
-            <a:endParaRPr lang="en-US" dirty="0"/>
-          </a:p>
-        </p:txBody>
-      </p:sp>
-      <p:sp>
-        <p:nvSpPr>
-          <p:cNvPr id="3" name="Content Placeholder 2"/>
-          <p:cNvSpPr>
-            <a:spLocks noGrp="1"/>
-          </p:cNvSpPr>
-          <p:nvPr>
-            <p:ph idx="1"/>
-          </p:nvPr>
-        </p:nvSpPr>
-        <p:spPr/>
+        <p:spPr>
+          <a:xfrm>
+            <a:off x="228600" y="1600200"/>
+            <a:ext cx="8763000" cy="4709160"/>
+          </a:xfrm>
+        </p:spPr>
         <p:txBody>
           <a:bodyPr/>
           <a:lstStyle/>
@@ -3917,9 +3503,16 @@
           <a:p>
             <a:r>
               <a:rPr lang="en-US" dirty="0" smtClean="0"/>
-              <a:t>Demo location:</a:t>
-            </a:r>
-            <a:endParaRPr lang="en-US" dirty="0"/>
+              <a:t>Demo </a:t>
+            </a:r>
+            <a:r>
+              <a:rPr lang="en-US" dirty="0" smtClean="0"/>
+              <a:t>location: http</a:t>
+            </a:r>
+            <a:r>
+              <a:rPr lang="en-US" dirty="0"/>
+              <a:t>://perlenspiel.cs.wpi.edu/KnechtDemo.html</a:t>
+            </a:r>
           </a:p>
         </p:txBody>
       </p:sp>
@@ -3933,6 +3526,13 @@
   <p:clrMapOvr>
     <a:masterClrMapping/>
   </p:clrMapOvr>
+  <p:timing>
+    <p:tnLst>
+      <p:par>
+        <p:cTn id="1" dur="indefinite" restart="never" nodeType="tmRoot"/>
+      </p:par>
+    </p:tnLst>
+  </p:timing>
 </p:sld>
 </file>
 
@@ -3992,20 +3592,31 @@
           <a:lstStyle/>
           <a:p>
             <a:r>
-              <a:rPr lang="en-US" dirty="0" smtClean="0"/>
-              <a:t>Knecht is a Node.js and MySQL client-server application.</a:t>
-            </a:r>
-          </a:p>
-          <a:p>
-            <a:r>
-              <a:rPr lang="en-US" dirty="0" smtClean="0"/>
-              <a:t>Node.js is a server side C++ JavaScript interpreter that is widely used for server applications.</a:t>
-            </a:r>
-          </a:p>
-          <a:p>
-            <a:r>
-              <a:rPr lang="en-US" dirty="0" smtClean="0"/>
-              <a:t>MySQL is a commonly used Database management system, good for handling a large quantity of queries.</a:t>
+              <a:rPr lang="en-US" dirty="0"/>
+              <a:t>Node.js</a:t>
+            </a:r>
+          </a:p>
+          <a:p>
+            <a:pPr lvl="1"/>
+            <a:r>
+              <a:rPr lang="en-US" dirty="0"/>
+              <a:t>Server platform</a:t>
+            </a:r>
+          </a:p>
+          <a:p>
+            <a:endParaRPr lang="en-US" dirty="0"/>
+          </a:p>
+          <a:p>
+            <a:r>
+              <a:rPr lang="en-US" dirty="0"/>
+              <a:t>MySQL</a:t>
+            </a:r>
+          </a:p>
+          <a:p>
+            <a:pPr lvl="1"/>
+            <a:r>
+              <a:rPr lang="en-US" dirty="0"/>
+              <a:t>Database platform</a:t>
             </a:r>
             <a:endParaRPr lang="en-US" dirty="0"/>
           </a:p>
@@ -4057,60 +3668,107 @@
           <a:lstStyle/>
           <a:p>
             <a:r>
+              <a:rPr lang="en-US" dirty="0"/>
+              <a:t>More on Node.js</a:t>
+            </a:r>
+            <a:endParaRPr lang="en-US" dirty="0"/>
+          </a:p>
+        </p:txBody>
+      </p:sp>
+      <p:sp>
+        <p:nvSpPr>
+          <p:cNvPr id="3" name="Content Placeholder 2"/>
+          <p:cNvSpPr>
+            <a:spLocks noGrp="1"/>
+          </p:cNvSpPr>
+          <p:nvPr>
+            <p:ph idx="1"/>
+          </p:nvPr>
+        </p:nvSpPr>
+        <p:spPr/>
+        <p:txBody>
+          <a:bodyPr/>
+          <a:lstStyle/>
+          <a:p>
+            <a:r>
+              <a:rPr lang="en-US" dirty="0"/>
+              <a:t>JavaScript Interpreter</a:t>
+            </a:r>
+          </a:p>
+          <a:p>
+            <a:r>
+              <a:rPr lang="en-US" dirty="0"/>
+              <a:t>Written in C++</a:t>
+            </a:r>
+          </a:p>
+          <a:p>
+            <a:r>
+              <a:rPr lang="en-US" dirty="0"/>
+              <a:t>Benefits:</a:t>
+            </a:r>
+          </a:p>
+          <a:p>
+            <a:pPr lvl="1"/>
+            <a:r>
+              <a:rPr lang="en-US" dirty="0"/>
+              <a:t>Modularity</a:t>
+            </a:r>
+          </a:p>
+          <a:p>
+            <a:pPr lvl="1"/>
+            <a:r>
+              <a:rPr lang="en-US" dirty="0"/>
+              <a:t>Asynchrony</a:t>
+            </a:r>
+          </a:p>
+          <a:p>
+            <a:pPr lvl="1"/>
+            <a:r>
               <a:rPr lang="en-US" dirty="0" smtClean="0"/>
-              <a:t>More on Node.js</a:t>
+              <a:t>Scalability</a:t>
             </a:r>
             <a:endParaRPr lang="en-US" dirty="0"/>
           </a:p>
-        </p:txBody>
-      </p:sp>
-      <p:sp>
-        <p:nvSpPr>
-          <p:cNvPr id="3" name="Content Placeholder 2"/>
-          <p:cNvSpPr>
-            <a:spLocks noGrp="1"/>
-          </p:cNvSpPr>
-          <p:nvPr>
-            <p:ph idx="1"/>
-          </p:nvPr>
-        </p:nvSpPr>
-        <p:spPr/>
-        <p:txBody>
-          <a:bodyPr/>
-          <a:lstStyle/>
-          <a:p>
-            <a:r>
-              <a:rPr lang="en-US" dirty="0" smtClean="0"/>
-              <a:t>Modular</a:t>
-            </a:r>
-          </a:p>
-          <a:p>
-            <a:r>
-              <a:rPr lang="en-US" dirty="0" smtClean="0"/>
-              <a:t>Asynchronous</a:t>
-            </a:r>
-          </a:p>
-          <a:p>
-            <a:r>
-              <a:rPr lang="en-US" dirty="0" smtClean="0"/>
-              <a:t>Scalable</a:t>
-            </a:r>
-          </a:p>
-          <a:p>
-            <a:r>
-              <a:rPr lang="en-US" dirty="0" smtClean="0"/>
-              <a:t>Runs JavaScript</a:t>
-            </a:r>
-          </a:p>
-          <a:p>
-            <a:r>
-              <a:rPr lang="en-US" dirty="0" smtClean="0"/>
-              <a:t>Written in C++</a:t>
+          <a:p>
+            <a:pPr lvl="1"/>
+            <a:r>
+              <a:rPr lang="en-US" dirty="0"/>
+              <a:t>Portability</a:t>
             </a:r>
             <a:endParaRPr lang="en-US" dirty="0"/>
           </a:p>
         </p:txBody>
       </p:sp>
+      <p:pic>
+        <p:nvPicPr>
+          <p:cNvPr id="7" name="Picture 6"/>
+          <p:cNvPicPr>
+            <a:picLocks noChangeAspect="1"/>
+          </p:cNvPicPr>
+          <p:nvPr/>
+        </p:nvPicPr>
+        <p:blipFill>
+          <a:blip r:embed="rId2">
+            <a:extLst>
+              <a:ext uri="{28A0092B-C50C-407E-A947-70E740481C1C}">
+                <a14:useLocalDpi xmlns:a14="http://schemas.microsoft.com/office/drawing/2010/main" val="0"/>
+              </a:ext>
+            </a:extLst>
+          </a:blip>
+          <a:stretch>
+            <a:fillRect/>
+          </a:stretch>
+        </p:blipFill>
+        <p:spPr>
+          <a:xfrm>
+            <a:off x="3505200" y="2895600"/>
+            <a:ext cx="5060953" cy="1735183"/>
+          </a:xfrm>
+          <a:prstGeom prst="rect">
+            <a:avLst/>
+          </a:prstGeom>
+        </p:spPr>
+      </p:pic>
     </p:spTree>
     <p:extLst>
       <p:ext uri="{BB962C8B-B14F-4D97-AF65-F5344CB8AC3E}">
@@ -4121,6 +3779,13 @@
   <p:clrMapOvr>
     <a:masterClrMapping/>
   </p:clrMapOvr>
+  <p:timing>
+    <p:tnLst>
+      <p:par>
+        <p:cTn id="1" dur="indefinite" restart="never" nodeType="tmRoot"/>
+      </p:par>
+    </p:tnLst>
+  </p:timing>
 </p:sld>
 </file>
 
@@ -4180,20 +3845,38 @@
           <a:lstStyle/>
           <a:p>
             <a:r>
-              <a:rPr lang="en-US" dirty="0" smtClean="0"/>
-              <a:t>Account Management</a:t>
-            </a:r>
-          </a:p>
-          <a:p>
-            <a:r>
-              <a:rPr lang="en-US" dirty="0" smtClean="0"/>
-              <a:t>Nonlocal Storage of Application Data</a:t>
-            </a:r>
-          </a:p>
-          <a:p>
-            <a:r>
-              <a:rPr lang="en-US" dirty="0" smtClean="0"/>
-              <a:t>Communication between Clients of Multiple Users</a:t>
+              <a:rPr lang="en-US" dirty="0"/>
+              <a:t>Create and Management User Accounts for:</a:t>
+            </a:r>
+          </a:p>
+          <a:p>
+            <a:endParaRPr lang="en-US" dirty="0"/>
+          </a:p>
+          <a:p>
+            <a:pPr lvl="1"/>
+            <a:r>
+              <a:rPr lang="en-US" dirty="0"/>
+              <a:t>Storing user application data non-locally</a:t>
+            </a:r>
+          </a:p>
+          <a:p>
+            <a:endParaRPr lang="en-US" dirty="0"/>
+          </a:p>
+          <a:p>
+            <a:pPr lvl="1"/>
+            <a:r>
+              <a:rPr lang="en-US" dirty="0"/>
+              <a:t>Communication between applications of multiple users</a:t>
+            </a:r>
+          </a:p>
+          <a:p>
+            <a:endParaRPr lang="en-US" dirty="0"/>
+          </a:p>
+          <a:p>
+            <a:pPr lvl="1"/>
+            <a:r>
+              <a:rPr lang="en-US" dirty="0"/>
+              <a:t>Collection of analytics data</a:t>
             </a:r>
             <a:endParaRPr lang="en-US" dirty="0"/>
           </a:p>
@@ -4209,6 +3892,13 @@
   <p:clrMapOvr>
     <a:masterClrMapping/>
   </p:clrMapOvr>
+  <p:timing>
+    <p:tnLst>
+      <p:par>
+        <p:cTn id="1" dur="indefinite" restart="never" nodeType="tmRoot"/>
+      </p:par>
+    </p:tnLst>
+  </p:timing>
 </p:sld>
 </file>
 
@@ -4241,12 +3931,18 @@
         </p:nvSpPr>
         <p:spPr/>
         <p:txBody>
-          <a:bodyPr/>
-          <a:lstStyle/>
-          <a:p>
-            <a:r>
-              <a:rPr lang="en-US" dirty="0" smtClean="0"/>
-              <a:t>Single User Functions</a:t>
+          <a:bodyPr>
+            <a:normAutofit/>
+          </a:bodyPr>
+          <a:lstStyle/>
+          <a:p>
+            <a:r>
+              <a:rPr lang="it-IT" dirty="0" smtClean="0"/>
+              <a:t>Personal </a:t>
+            </a:r>
+            <a:r>
+              <a:rPr lang="it-IT" dirty="0"/>
+              <a:t>Data Storage</a:t>
             </a:r>
             <a:endParaRPr lang="en-US" dirty="0"/>
           </a:p>
@@ -4268,25 +3964,86 @@
           <a:lstStyle/>
           <a:p>
             <a:r>
-              <a:rPr lang="en-US" dirty="0" smtClean="0"/>
-              <a:t>Account Management</a:t>
-            </a:r>
-          </a:p>
-          <a:p>
-            <a:r>
-              <a:rPr lang="en-US" dirty="0" smtClean="0"/>
+              <a:rPr lang="en-US" dirty="0"/>
               <a:t>CRUD</a:t>
             </a:r>
           </a:p>
           <a:p>
-            <a:r>
-              <a:rPr lang="en-US" dirty="0" smtClean="0"/>
-              <a:t>Accounts are Isolated from each other.</a:t>
-            </a:r>
+            <a:pPr lvl="1"/>
+            <a:r>
+              <a:rPr lang="en-US" dirty="0"/>
+              <a:t>Create</a:t>
+            </a:r>
+          </a:p>
+          <a:p>
+            <a:pPr lvl="1"/>
+            <a:r>
+              <a:rPr lang="en-US" dirty="0"/>
+              <a:t>Retrieve</a:t>
+            </a:r>
+          </a:p>
+          <a:p>
+            <a:pPr lvl="1"/>
+            <a:r>
+              <a:rPr lang="en-US" dirty="0"/>
+              <a:t>Update</a:t>
+            </a:r>
+          </a:p>
+          <a:p>
+            <a:pPr lvl="1"/>
+            <a:r>
+              <a:rPr lang="en-US" dirty="0"/>
+              <a:t>Delete</a:t>
+            </a:r>
+          </a:p>
+          <a:p>
             <a:endParaRPr lang="en-US" dirty="0"/>
           </a:p>
-        </p:txBody>
-      </p:sp>
+          <a:p>
+            <a:r>
+              <a:rPr lang="en-US" dirty="0"/>
+              <a:t>Accessible only to Original User</a:t>
+            </a:r>
+          </a:p>
+          <a:p>
+            <a:r>
+              <a:rPr lang="en-US" dirty="0"/>
+              <a:t>Each application has its own namespace.</a:t>
+            </a:r>
+            <a:endParaRPr lang="en-US" dirty="0" smtClean="0"/>
+          </a:p>
+        </p:txBody>
+      </p:sp>
+      <p:pic>
+        <p:nvPicPr>
+          <p:cNvPr id="5" name="Picture 4"/>
+          <p:cNvPicPr>
+            <a:picLocks noChangeAspect="1"/>
+          </p:cNvPicPr>
+          <p:nvPr/>
+        </p:nvPicPr>
+        <p:blipFill>
+          <a:blip r:embed="rId2">
+            <a:extLst>
+              <a:ext uri="{28A0092B-C50C-407E-A947-70E740481C1C}">
+                <a14:useLocalDpi xmlns:a14="http://schemas.microsoft.com/office/drawing/2010/main" val="0"/>
+              </a:ext>
+            </a:extLst>
+          </a:blip>
+          <a:stretch>
+            <a:fillRect/>
+          </a:stretch>
+        </p:blipFill>
+        <p:spPr>
+          <a:xfrm>
+            <a:off x="4114800" y="1752600"/>
+            <a:ext cx="4153480" cy="2333951"/>
+          </a:xfrm>
+          <a:prstGeom prst="rect">
+            <a:avLst/>
+          </a:prstGeom>
+        </p:spPr>
+      </p:pic>
     </p:spTree>
     <p:extLst>
       <p:ext uri="{BB962C8B-B14F-4D97-AF65-F5344CB8AC3E}">
@@ -4297,6 +4054,13 @@
   <p:clrMapOvr>
     <a:masterClrMapping/>
   </p:clrMapOvr>
+  <p:timing>
+    <p:tnLst>
+      <p:par>
+        <p:cTn id="1" dur="indefinite" restart="never" nodeType="tmRoot"/>
+      </p:par>
+    </p:tnLst>
+  </p:timing>
 </p:sld>
 </file>
 
@@ -4334,31 +4098,43 @@
           <a:p>
             <a:r>
               <a:rPr lang="en-US" dirty="0" smtClean="0"/>
-              <a:t>Paint Demo</a:t>
+              <a:t>Single Player Demo</a:t>
             </a:r>
             <a:endParaRPr lang="en-US" dirty="0"/>
           </a:p>
         </p:txBody>
       </p:sp>
-      <p:sp>
-        <p:nvSpPr>
-          <p:cNvPr id="3" name="Content Placeholder 2"/>
-          <p:cNvSpPr>
-            <a:spLocks noGrp="1"/>
-          </p:cNvSpPr>
+      <p:pic>
+        <p:nvPicPr>
+          <p:cNvPr id="4" name="singleplayerdemo.wmv">
+            <a:hlinkClick r:id="" action="ppaction://media"/>
+          </p:cNvPr>
+          <p:cNvPicPr>
+            <a:picLocks noGrp="1" noChangeAspect="1"/>
+          </p:cNvPicPr>
           <p:nvPr>
             <p:ph idx="1"/>
-          </p:nvPr>
-        </p:nvSpPr>
-        <p:spPr/>
-        <p:txBody>
-          <a:bodyPr/>
-          <a:lstStyle/>
-          <a:p>
-            <a:endParaRPr lang="en-US"/>
-          </a:p>
-        </p:txBody>
-      </p:sp>
+            <a:videoFile r:link="rId2"/>
+            <p:extLst>
+              <p:ext uri="{DAA4B4D4-6D71-4841-9C94-3DE7FCFB9230}">
+                <p14:media xmlns:p14="http://schemas.microsoft.com/office/powerpoint/2010/main" r:embed="rId1"/>
+              </p:ext>
+            </p:extLst>
+          </p:nvPr>
+        </p:nvPicPr>
+        <p:blipFill>
+          <a:blip r:embed="rId4"/>
+          <a:stretch>
+            <a:fillRect/>
+          </a:stretch>
+        </p:blipFill>
+        <p:spPr>
+          <a:xfrm>
+            <a:off x="457200" y="1668463"/>
+            <a:ext cx="8229600" cy="4572000"/>
+          </a:xfrm>
+        </p:spPr>
+      </p:pic>
     </p:spTree>
     <p:extLst>
       <p:ext uri="{BB962C8B-B14F-4D97-AF65-F5344CB8AC3E}">
@@ -4369,6 +4145,86 @@
   <p:clrMapOvr>
     <a:masterClrMapping/>
   </p:clrMapOvr>
+  <p:timing>
+    <p:tnLst>
+      <p:par>
+        <p:cTn id="1" dur="indefinite" restart="never" nodeType="tmRoot">
+          <p:childTnLst>
+            <p:seq concurrent="1" nextAc="seek">
+              <p:cTn id="2" restart="whenNotActive" fill="hold" evtFilter="cancelBubble" nodeType="interactiveSeq">
+                <p:stCondLst>
+                  <p:cond evt="onClick" delay="0">
+                    <p:tgtEl>
+                      <p:spTgt spid="4"/>
+                    </p:tgtEl>
+                  </p:cond>
+                </p:stCondLst>
+                <p:endSync evt="end" delay="0">
+                  <p:rtn val="all"/>
+                </p:endSync>
+                <p:childTnLst>
+                  <p:par>
+                    <p:cTn id="3" fill="hold">
+                      <p:stCondLst>
+                        <p:cond delay="0"/>
+                      </p:stCondLst>
+                      <p:childTnLst>
+                        <p:par>
+                          <p:cTn id="4" fill="hold">
+                            <p:stCondLst>
+                              <p:cond delay="0"/>
+                            </p:stCondLst>
+                            <p:childTnLst>
+                              <p:par>
+                                <p:cTn id="5" presetID="2" presetClass="mediacall" presetSubtype="0" fill="hold" nodeType="clickEffect">
+                                  <p:stCondLst>
+                                    <p:cond delay="0"/>
+                                  </p:stCondLst>
+                                  <p:childTnLst>
+                                    <p:cmd type="call" cmd="togglePause">
+                                      <p:cBhvr>
+                                        <p:cTn id="6" dur="1" fill="hold"/>
+                                        <p:tgtEl>
+                                          <p:spTgt spid="4"/>
+                                        </p:tgtEl>
+                                      </p:cBhvr>
+                                    </p:cmd>
+                                  </p:childTnLst>
+                                </p:cTn>
+                              </p:par>
+                            </p:childTnLst>
+                          </p:cTn>
+                        </p:par>
+                      </p:childTnLst>
+                    </p:cTn>
+                  </p:par>
+                </p:childTnLst>
+              </p:cTn>
+              <p:nextCondLst>
+                <p:cond evt="onClick" delay="0">
+                  <p:tgtEl>
+                    <p:spTgt spid="4"/>
+                  </p:tgtEl>
+                </p:cond>
+              </p:nextCondLst>
+            </p:seq>
+            <p:video>
+              <p:cMediaNode vol="80000">
+                <p:cTn id="7" fill="hold" display="0">
+                  <p:stCondLst>
+                    <p:cond delay="indefinite"/>
+                  </p:stCondLst>
+                </p:cTn>
+                <p:tgtEl>
+                  <p:spTgt spid="4"/>
+                </p:tgtEl>
+              </p:cMediaNode>
+            </p:video>
+          </p:childTnLst>
+        </p:cTn>
+      </p:par>
+    </p:tnLst>
+  </p:timing>
 </p:sld>
 </file>
 
@@ -4401,12 +4257,18 @@
         </p:nvSpPr>
         <p:spPr/>
         <p:txBody>
-          <a:bodyPr/>
+          <a:bodyPr>
+            <a:normAutofit/>
+          </a:bodyPr>
           <a:lstStyle/>
           <a:p>
             <a:r>
               <a:rPr lang="en-US" dirty="0" smtClean="0"/>
-              <a:t>Application Functions</a:t>
+              <a:t>Group </a:t>
+            </a:r>
+            <a:r>
+              <a:rPr lang="en-US" dirty="0"/>
+              <a:t>Functions</a:t>
             </a:r>
             <a:endParaRPr lang="en-US" dirty="0"/>
           </a:p>
@@ -4428,14 +4290,48 @@
           <a:lstStyle/>
           <a:p>
             <a:r>
+              <a:rPr lang="en-US" dirty="0"/>
+              <a:t>User may host </a:t>
+            </a:r>
+            <a:r>
               <a:rPr lang="en-US" dirty="0" smtClean="0"/>
-              <a:t>Each application has its own namespace within Knetch.</a:t>
-            </a:r>
-          </a:p>
-          <a:p>
+              <a:t>group</a:t>
+            </a:r>
+            <a:endParaRPr lang="en-US" dirty="0"/>
+          </a:p>
+          <a:p>
+            <a:endParaRPr lang="en-US" dirty="0"/>
+          </a:p>
+          <a:p>
+            <a:r>
+              <a:rPr lang="en-US" dirty="0"/>
+              <a:t>Can post data that other users may access</a:t>
+            </a:r>
+          </a:p>
+          <a:p>
+            <a:endParaRPr lang="en-US" dirty="0"/>
+          </a:p>
+          <a:p>
+            <a:r>
+              <a:rPr lang="en-US" dirty="0" err="1"/>
+              <a:t>Namespaced</a:t>
+            </a:r>
+            <a:r>
+              <a:rPr lang="en-US" dirty="0"/>
+              <a:t> like user data</a:t>
+            </a:r>
+          </a:p>
+          <a:p>
+            <a:endParaRPr lang="en-US" dirty="0"/>
+          </a:p>
+          <a:p>
+            <a:r>
+              <a:rPr lang="en-US" dirty="0"/>
+              <a:t>Only host may alter </a:t>
+            </a:r>
             <a:r>
               <a:rPr lang="en-US" dirty="0" smtClean="0"/>
-              <a:t>Still possible for different applications to send data to each other by using the same application name and with it namespace.</a:t>
+              <a:t>data</a:t>
             </a:r>
             <a:endParaRPr lang="en-US" dirty="0"/>
           </a:p>
@@ -4451,6 +4347,13 @@
   <p:clrMapOvr>
     <a:masterClrMapping/>
   </p:clrMapOvr>
+  <p:timing>
+    <p:tnLst>
+      <p:par>
+        <p:cTn id="1" dur="indefinite" restart="never" nodeType="tmRoot"/>
+      </p:par>
+    </p:tnLst>
+  </p:timing>
 </p:sld>
 </file>
 
@@ -4483,12 +4386,18 @@
         </p:nvSpPr>
         <p:spPr/>
         <p:txBody>
-          <a:bodyPr/>
+          <a:bodyPr>
+            <a:normAutofit/>
+          </a:bodyPr>
           <a:lstStyle/>
           <a:p>
             <a:r>
               <a:rPr lang="en-US" dirty="0" smtClean="0"/>
-              <a:t>Multi User Functions</a:t>
+              <a:t>Group </a:t>
+            </a:r>
+            <a:r>
+              <a:rPr lang="en-US" dirty="0"/>
+              <a:t>Security</a:t>
             </a:r>
             <a:endParaRPr lang="en-US" dirty="0"/>
           </a:p>
@@ -4510,20 +4419,38 @@
           <a:lstStyle/>
           <a:p>
             <a:r>
-              <a:rPr lang="en-US" dirty="0" smtClean="0"/>
-              <a:t>A designated host client can add or remove other clients to or from the group.</a:t>
-            </a:r>
-          </a:p>
-          <a:p>
-            <a:r>
-              <a:rPr lang="en-US" dirty="0" smtClean="0"/>
-              <a:t>A data is held in a group’s name just as it is held in an application’s name.</a:t>
-            </a:r>
-          </a:p>
-          <a:p>
-            <a:r>
-              <a:rPr lang="en-US" dirty="0" smtClean="0"/>
-              <a:t>The host can set permissions for this data to individual users.</a:t>
+              <a:rPr lang="en-US" dirty="0"/>
+              <a:t>No server-side application logic</a:t>
+            </a:r>
+          </a:p>
+          <a:p>
+            <a:r>
+              <a:rPr lang="en-US" dirty="0"/>
+              <a:t>Knecht is general-purpose</a:t>
+            </a:r>
+          </a:p>
+          <a:p>
+            <a:r>
+              <a:rPr lang="en-US" dirty="0"/>
+              <a:t>Host is only trusted user</a:t>
+            </a:r>
+          </a:p>
+          <a:p>
+            <a:r>
+              <a:rPr lang="en-US" dirty="0"/>
+              <a:t>Must validate all input from others</a:t>
+            </a:r>
+          </a:p>
+          <a:p>
+            <a:r>
+              <a:rPr lang="en-US" dirty="0"/>
+              <a:t>Has access to all group data</a:t>
+            </a:r>
+          </a:p>
+          <a:p>
+            <a:r>
+              <a:rPr lang="en-US" dirty="0"/>
+              <a:t>May grant access to individual fields</a:t>
             </a:r>
             <a:endParaRPr lang="en-US" dirty="0"/>
           </a:p>
@@ -4532,13 +4459,20 @@
     </p:spTree>
     <p:extLst>
       <p:ext uri="{BB962C8B-B14F-4D97-AF65-F5344CB8AC3E}">
-        <p14:creationId xmlns:p14="http://schemas.microsoft.com/office/powerpoint/2010/main" val="231791908"/>
+        <p14:creationId xmlns:p14="http://schemas.microsoft.com/office/powerpoint/2010/main" val="1229757238"/>
       </p:ext>
     </p:extLst>
   </p:cSld>
   <p:clrMapOvr>
     <a:masterClrMapping/>
   </p:clrMapOvr>
+  <p:timing>
+    <p:tnLst>
+      <p:par>
+        <p:cTn id="1" dur="indefinite" restart="never" nodeType="tmRoot"/>
+      </p:par>
+    </p:tnLst>
+  </p:timing>
 </p:sld>
 </file>
 
@@ -4576,35 +4510,43 @@
           <a:p>
             <a:r>
               <a:rPr lang="en-US" dirty="0" smtClean="0"/>
-              <a:t>Multiplayer </a:t>
-            </a:r>
-            <a:r>
-              <a:rPr lang="en-US" dirty="0" smtClean="0"/>
-              <a:t>Demo</a:t>
+              <a:t>Multiplayer Demo</a:t>
             </a:r>
             <a:endParaRPr lang="en-US" dirty="0"/>
           </a:p>
         </p:txBody>
       </p:sp>
-      <p:sp>
-        <p:nvSpPr>
-          <p:cNvPr id="3" name="Content Placeholder 2"/>
-          <p:cNvSpPr>
-            <a:spLocks noGrp="1"/>
-          </p:cNvSpPr>
+      <p:pic>
+        <p:nvPicPr>
+          <p:cNvPr id="10" name="twoplayer.wmv">
+            <a:hlinkClick r:id="" action="ppaction://media"/>
+          </p:cNvPr>
+          <p:cNvPicPr>
+            <a:picLocks noGrp="1" noChangeAspect="1"/>
+          </p:cNvPicPr>
           <p:nvPr>
             <p:ph idx="1"/>
-          </p:nvPr>
-        </p:nvSpPr>
-        <p:spPr/>
-        <p:txBody>
-          <a:bodyPr/>
-          <a:lstStyle/>
-          <a:p>
-            <a:endParaRPr lang="en-US" dirty="0"/>
-          </a:p>
-        </p:txBody>
-      </p:sp>
+            <a:videoFile r:link="rId2"/>
+            <p:extLst>
+              <p:ext uri="{DAA4B4D4-6D71-4841-9C94-3DE7FCFB9230}">
+                <p14:media xmlns:p14="http://schemas.microsoft.com/office/powerpoint/2010/main" r:embed="rId1"/>
+              </p:ext>
+            </p:extLst>
+          </p:nvPr>
+        </p:nvPicPr>
+        <p:blipFill>
+          <a:blip r:embed="rId4"/>
+          <a:stretch>
+            <a:fillRect/>
+          </a:stretch>
+        </p:blipFill>
+        <p:spPr>
+          <a:xfrm>
+            <a:off x="457200" y="1668463"/>
+            <a:ext cx="8229600" cy="4572000"/>
+          </a:xfrm>
+        </p:spPr>
+      </p:pic>
     </p:spTree>
     <p:extLst>
       <p:ext uri="{BB962C8B-B14F-4D97-AF65-F5344CB8AC3E}">
@@ -4615,6 +4557,86 @@
   <p:clrMapOvr>
     <a:masterClrMapping/>
   </p:clrMapOvr>
+  <p:timing>
+    <p:tnLst>
+      <p:par>
+        <p:cTn id="1" dur="indefinite" restart="never" nodeType="tmRoot">
+          <p:childTnLst>
+            <p:seq concurrent="1" nextAc="seek">
+              <p:cTn id="2" restart="whenNotActive" fill="hold" evtFilter="cancelBubble" nodeType="interactiveSeq">
+                <p:stCondLst>
+                  <p:cond evt="onClick" delay="0">
+                    <p:tgtEl>
+                      <p:spTgt spid="10"/>
+                    </p:tgtEl>
+                  </p:cond>
+                </p:stCondLst>
+                <p:endSync evt="end" delay="0">
+                  <p:rtn val="all"/>
+                </p:endSync>
+                <p:childTnLst>
+                  <p:par>
+                    <p:cTn id="3" fill="hold">
+                      <p:stCondLst>
+                        <p:cond delay="0"/>
+                      </p:stCondLst>
+                      <p:childTnLst>
+                        <p:par>
+                          <p:cTn id="4" fill="hold">
+                            <p:stCondLst>
+                              <p:cond delay="0"/>
+                            </p:stCondLst>
+                            <p:childTnLst>
+                              <p:par>
+                                <p:cTn id="5" presetID="2" presetClass="mediacall" presetSubtype="0" fill="hold" nodeType="clickEffect">
+                                  <p:stCondLst>
+                                    <p:cond delay="0"/>
+                                  </p:stCondLst>
+                                  <p:childTnLst>
+                                    <p:cmd type="call" cmd="togglePause">
+                                      <p:cBhvr>
+                                        <p:cTn id="6" dur="1" fill="hold"/>
+                                        <p:tgtEl>
+                                          <p:spTgt spid="10"/>
+                                        </p:tgtEl>
+                                      </p:cBhvr>
+                                    </p:cmd>
+                                  </p:childTnLst>
+                                </p:cTn>
+                              </p:par>
+                            </p:childTnLst>
+                          </p:cTn>
+                        </p:par>
+                      </p:childTnLst>
+                    </p:cTn>
+                  </p:par>
+                </p:childTnLst>
+              </p:cTn>
+              <p:nextCondLst>
+                <p:cond evt="onClick" delay="0">
+                  <p:tgtEl>
+                    <p:spTgt spid="10"/>
+                  </p:tgtEl>
+                </p:cond>
+              </p:nextCondLst>
+            </p:seq>
+            <p:video>
+              <p:cMediaNode vol="80000">
+                <p:cTn id="7" fill="hold" display="0">
+                  <p:stCondLst>
+                    <p:cond delay="indefinite"/>
+                  </p:stCondLst>
+                </p:cTn>
+                <p:tgtEl>
+                  <p:spTgt spid="10"/>
+                </p:tgtEl>
+              </p:cMediaNode>
+            </p:video>
+          </p:childTnLst>
+        </p:cTn>
+      </p:par>
+    </p:tnLst>
+  </p:timing>
 </p:sld>
 </file>
 

--- a/Knecht.pptx
+++ b/Knecht.pptx
@@ -116,6 +116,22 @@
       </a:defRPr>
     </a:lvl9pPr>
   </p:defaultTextStyle>
+  <p:extLst>
+    <p:ext uri="{EFAFB233-063F-42B5-8137-9DF3F51BA10A}">
+      <p15:sldGuideLst xmlns:p15="http://schemas.microsoft.com/office/powerpoint/2012/main" xmlns="">
+        <p15:guide id="1" orient="horz" pos="2160">
+          <p15:clr>
+            <a:srgbClr val="A4A3A4"/>
+          </p15:clr>
+        </p15:guide>
+        <p15:guide id="2" pos="2880">
+          <p15:clr>
+            <a:srgbClr val="A4A3A4"/>
+          </p15:clr>
+        </p15:guide>
+      </p15:sldGuideLst>
+    </p:ext>
+  </p:extLst>
 </p:presentation>
 </file>
 
@@ -230,7 +246,7 @@
           <a:p>
             <a:fld id="{F4CE3621-1EBC-48BD-BFCF-89B3379CD41D}" type="datetimeFigureOut">
               <a:rPr lang="en-US" smtClean="0"/>
-              <a:t>4/22/2014</a:t>
+              <a:t>4/23/2014</a:t>
             </a:fld>
             <a:endParaRPr lang="en-US"/>
           </a:p>
@@ -456,7 +472,7 @@
           <a:p>
             <a:fld id="{F4CE3621-1EBC-48BD-BFCF-89B3379CD41D}" type="datetimeFigureOut">
               <a:rPr lang="en-US" smtClean="0"/>
-              <a:t>4/22/2014</a:t>
+              <a:t>4/23/2014</a:t>
             </a:fld>
             <a:endParaRPr lang="en-US"/>
           </a:p>
@@ -631,7 +647,7 @@
           <a:p>
             <a:fld id="{F4CE3621-1EBC-48BD-BFCF-89B3379CD41D}" type="datetimeFigureOut">
               <a:rPr lang="en-US" smtClean="0"/>
-              <a:t>4/22/2014</a:t>
+              <a:t>4/23/2014</a:t>
             </a:fld>
             <a:endParaRPr lang="en-US"/>
           </a:p>
@@ -796,7 +812,7 @@
           <a:p>
             <a:fld id="{F4CE3621-1EBC-48BD-BFCF-89B3379CD41D}" type="datetimeFigureOut">
               <a:rPr lang="en-US" smtClean="0"/>
-              <a:t>4/22/2014</a:t>
+              <a:t>4/23/2014</a:t>
             </a:fld>
             <a:endParaRPr lang="en-US"/>
           </a:p>
@@ -1040,7 +1056,7 @@
           <a:p>
             <a:fld id="{F4CE3621-1EBC-48BD-BFCF-89B3379CD41D}" type="datetimeFigureOut">
               <a:rPr lang="en-US" smtClean="0"/>
-              <a:t>4/22/2014</a:t>
+              <a:t>4/23/2014</a:t>
             </a:fld>
             <a:endParaRPr lang="en-US"/>
           </a:p>
@@ -1304,7 +1320,7 @@
           <a:p>
             <a:fld id="{F4CE3621-1EBC-48BD-BFCF-89B3379CD41D}" type="datetimeFigureOut">
               <a:rPr lang="en-US" smtClean="0"/>
-              <a:t>4/22/2014</a:t>
+              <a:t>4/23/2014</a:t>
             </a:fld>
             <a:endParaRPr lang="en-US"/>
           </a:p>
@@ -1678,7 +1694,7 @@
           <a:p>
             <a:fld id="{F4CE3621-1EBC-48BD-BFCF-89B3379CD41D}" type="datetimeFigureOut">
               <a:rPr lang="en-US" smtClean="0"/>
-              <a:t>4/22/2014</a:t>
+              <a:t>4/23/2014</a:t>
             </a:fld>
             <a:endParaRPr lang="en-US"/>
           </a:p>
@@ -1791,7 +1807,7 @@
           <a:p>
             <a:fld id="{F4CE3621-1EBC-48BD-BFCF-89B3379CD41D}" type="datetimeFigureOut">
               <a:rPr lang="en-US" smtClean="0"/>
-              <a:t>4/22/2014</a:t>
+              <a:t>4/23/2014</a:t>
             </a:fld>
             <a:endParaRPr lang="en-US"/>
           </a:p>
@@ -1881,7 +1897,7 @@
           <a:p>
             <a:fld id="{F4CE3621-1EBC-48BD-BFCF-89B3379CD41D}" type="datetimeFigureOut">
               <a:rPr lang="en-US" smtClean="0"/>
-              <a:t>4/22/2014</a:t>
+              <a:t>4/23/2014</a:t>
             </a:fld>
             <a:endParaRPr lang="en-US"/>
           </a:p>
@@ -2139,7 +2155,7 @@
           <a:p>
             <a:fld id="{F4CE3621-1EBC-48BD-BFCF-89B3379CD41D}" type="datetimeFigureOut">
               <a:rPr lang="en-US" smtClean="0"/>
-              <a:t>4/22/2014</a:t>
+              <a:t>4/23/2014</a:t>
             </a:fld>
             <a:endParaRPr lang="en-US"/>
           </a:p>
@@ -2403,7 +2419,7 @@
           <a:p>
             <a:fld id="{F4CE3621-1EBC-48BD-BFCF-89B3379CD41D}" type="datetimeFigureOut">
               <a:rPr lang="en-US" smtClean="0"/>
-              <a:t>4/22/2014</a:t>
+              <a:t>4/23/2014</a:t>
             </a:fld>
             <a:endParaRPr lang="en-US"/>
           </a:p>
@@ -2620,7 +2636,7 @@
           <a:p>
             <a:fld id="{F4CE3621-1EBC-48BD-BFCF-89B3379CD41D}" type="datetimeFigureOut">
               <a:rPr lang="en-US" smtClean="0"/>
-              <a:t>4/22/2014</a:t>
+              <a:t>4/23/2014</a:t>
             </a:fld>
             <a:endParaRPr lang="en-US"/>
           </a:p>
@@ -3125,6 +3141,13 @@
   <p:clrMapOvr>
     <a:masterClrMapping/>
   </p:clrMapOvr>
+  <p:timing>
+    <p:tnLst>
+      <p:par>
+        <p:cTn id="1" dur="indefinite" restart="never" nodeType="tmRoot"/>
+      </p:par>
+    </p:tnLst>
+  </p:timing>
 </p:sld>
 </file>
 
@@ -3503,11 +3526,7 @@
           <a:p>
             <a:r>
               <a:rPr lang="en-US" dirty="0" smtClean="0"/>
-              <a:t>Demo </a:t>
-            </a:r>
-            <a:r>
-              <a:rPr lang="en-US" dirty="0" smtClean="0"/>
-              <a:t>location: http</a:t>
+              <a:t>Demo location: http</a:t>
             </a:r>
             <a:r>
               <a:rPr lang="en-US" dirty="0"/>
@@ -3618,7 +3637,6 @@
               <a:rPr lang="en-US" dirty="0"/>
               <a:t>Database platform</a:t>
             </a:r>
-            <a:endParaRPr lang="en-US" dirty="0"/>
           </a:p>
         </p:txBody>
       </p:sp>
@@ -3632,6 +3650,13 @@
   <p:clrMapOvr>
     <a:masterClrMapping/>
   </p:clrMapOvr>
+  <p:timing>
+    <p:tnLst>
+      <p:par>
+        <p:cTn id="1" dur="indefinite" restart="never" nodeType="tmRoot"/>
+      </p:par>
+    </p:tnLst>
+  </p:timing>
 </p:sld>
 </file>
 
@@ -3671,7 +3696,6 @@
               <a:rPr lang="en-US" dirty="0"/>
               <a:t>More on Node.js</a:t>
             </a:r>
-            <a:endParaRPr lang="en-US" dirty="0"/>
           </a:p>
         </p:txBody>
       </p:sp>
@@ -3735,7 +3759,6 @@
               <a:rPr lang="en-US" dirty="0"/>
               <a:t>Portability</a:t>
             </a:r>
-            <a:endParaRPr lang="en-US" dirty="0"/>
           </a:p>
         </p:txBody>
       </p:sp>
@@ -3878,7 +3901,6 @@
               <a:rPr lang="en-US" dirty="0"/>
               <a:t>Collection of analytics data</a:t>
             </a:r>
-            <a:endParaRPr lang="en-US" dirty="0"/>
           </a:p>
         </p:txBody>
       </p:sp>
@@ -4270,7 +4292,6 @@
               <a:rPr lang="en-US" dirty="0"/>
               <a:t>Functions</a:t>
             </a:r>
-            <a:endParaRPr lang="en-US" dirty="0"/>
           </a:p>
         </p:txBody>
       </p:sp>
@@ -4399,7 +4420,6 @@
               <a:rPr lang="en-US" dirty="0"/>
               <a:t>Security</a:t>
             </a:r>
-            <a:endParaRPr lang="en-US" dirty="0"/>
           </a:p>
         </p:txBody>
       </p:sp>
@@ -4452,7 +4472,6 @@
               <a:rPr lang="en-US" dirty="0"/>
               <a:t>May grant access to individual fields</a:t>
             </a:r>
-            <a:endParaRPr lang="en-US" dirty="0"/>
           </a:p>
         </p:txBody>
       </p:sp>
@@ -4518,7 +4537,7 @@
       </p:sp>
       <p:pic>
         <p:nvPicPr>
-          <p:cNvPr id="10" name="twoplayer.wmv">
+          <p:cNvPr id="4" name="demo4.wmv">
             <a:hlinkClick r:id="" action="ppaction://media"/>
           </p:cNvPr>
           <p:cNvPicPr>
@@ -4567,7 +4586,7 @@
                 <p:stCondLst>
                   <p:cond evt="onClick" delay="0">
                     <p:tgtEl>
-                      <p:spTgt spid="10"/>
+                      <p:spTgt spid="4"/>
                     </p:tgtEl>
                   </p:cond>
                 </p:stCondLst>
@@ -4597,7 +4616,7 @@
                                       <p:cBhvr>
                                         <p:cTn id="6" dur="1" fill="hold"/>
                                         <p:tgtEl>
-                                          <p:spTgt spid="10"/>
+                                          <p:spTgt spid="4"/>
                                         </p:tgtEl>
                                       </p:cBhvr>
                                     </p:cmd>
@@ -4615,7 +4634,7 @@
               <p:nextCondLst>
                 <p:cond evt="onClick" delay="0">
                   <p:tgtEl>
-                    <p:spTgt spid="10"/>
+                    <p:spTgt spid="4"/>
                   </p:tgtEl>
                 </p:cond>
               </p:nextCondLst>
@@ -4628,7 +4647,7 @@
                   </p:stCondLst>
                 </p:cTn>
                 <p:tgtEl>
-                  <p:spTgt spid="10"/>
+                  <p:spTgt spid="4"/>
                 </p:tgtEl>
               </p:cMediaNode>
             </p:video>
